--- a/Charades/charades design.pptx
+++ b/Charades/charades design.pptx
@@ -104,6 +104,11 @@
       </a:defRPr>
     </a:lvl9pPr>
   </p:defaultTextStyle>
+  <p:extLst>
+    <p:ext uri="{EFAFB233-063F-42B5-8137-9DF3F51BA10A}">
+      <p15:sldGuideLst xmlns:p15="http://schemas.microsoft.com/office/powerpoint/2012/main"/>
+    </p:ext>
+  </p:extLst>
 </p:presentation>
 </file>
 
@@ -254,7 +259,7 @@
           <a:p>
             <a:fld id="{4768DAE8-202D-4443-B284-E55BEF58EE43}" type="datetimeFigureOut">
               <a:rPr lang="en-US" smtClean="0"/>
-              <a:t>4/12/2020</a:t>
+              <a:t>8/2/2020</a:t>
             </a:fld>
             <a:endParaRPr lang="en-US"/>
           </a:p>
@@ -452,7 +457,7 @@
           <a:p>
             <a:fld id="{4768DAE8-202D-4443-B284-E55BEF58EE43}" type="datetimeFigureOut">
               <a:rPr lang="en-US" smtClean="0"/>
-              <a:t>4/12/2020</a:t>
+              <a:t>8/2/2020</a:t>
             </a:fld>
             <a:endParaRPr lang="en-US"/>
           </a:p>
@@ -660,7 +665,7 @@
           <a:p>
             <a:fld id="{4768DAE8-202D-4443-B284-E55BEF58EE43}" type="datetimeFigureOut">
               <a:rPr lang="en-US" smtClean="0"/>
-              <a:t>4/12/2020</a:t>
+              <a:t>8/2/2020</a:t>
             </a:fld>
             <a:endParaRPr lang="en-US"/>
           </a:p>
@@ -858,7 +863,7 @@
           <a:p>
             <a:fld id="{4768DAE8-202D-4443-B284-E55BEF58EE43}" type="datetimeFigureOut">
               <a:rPr lang="en-US" smtClean="0"/>
-              <a:t>4/12/2020</a:t>
+              <a:t>8/2/2020</a:t>
             </a:fld>
             <a:endParaRPr lang="en-US"/>
           </a:p>
@@ -1133,7 +1138,7 @@
           <a:p>
             <a:fld id="{4768DAE8-202D-4443-B284-E55BEF58EE43}" type="datetimeFigureOut">
               <a:rPr lang="en-US" smtClean="0"/>
-              <a:t>4/12/2020</a:t>
+              <a:t>8/2/2020</a:t>
             </a:fld>
             <a:endParaRPr lang="en-US"/>
           </a:p>
@@ -1398,7 +1403,7 @@
           <a:p>
             <a:fld id="{4768DAE8-202D-4443-B284-E55BEF58EE43}" type="datetimeFigureOut">
               <a:rPr lang="en-US" smtClean="0"/>
-              <a:t>4/12/2020</a:t>
+              <a:t>8/2/2020</a:t>
             </a:fld>
             <a:endParaRPr lang="en-US"/>
           </a:p>
@@ -1810,7 +1815,7 @@
           <a:p>
             <a:fld id="{4768DAE8-202D-4443-B284-E55BEF58EE43}" type="datetimeFigureOut">
               <a:rPr lang="en-US" smtClean="0"/>
-              <a:t>4/12/2020</a:t>
+              <a:t>8/2/2020</a:t>
             </a:fld>
             <a:endParaRPr lang="en-US"/>
           </a:p>
@@ -1951,7 +1956,7 @@
           <a:p>
             <a:fld id="{4768DAE8-202D-4443-B284-E55BEF58EE43}" type="datetimeFigureOut">
               <a:rPr lang="en-US" smtClean="0"/>
-              <a:t>4/12/2020</a:t>
+              <a:t>8/2/2020</a:t>
             </a:fld>
             <a:endParaRPr lang="en-US"/>
           </a:p>
@@ -2064,7 +2069,7 @@
           <a:p>
             <a:fld id="{4768DAE8-202D-4443-B284-E55BEF58EE43}" type="datetimeFigureOut">
               <a:rPr lang="en-US" smtClean="0"/>
-              <a:t>4/12/2020</a:t>
+              <a:t>8/2/2020</a:t>
             </a:fld>
             <a:endParaRPr lang="en-US"/>
           </a:p>
@@ -2375,7 +2380,7 @@
           <a:p>
             <a:fld id="{4768DAE8-202D-4443-B284-E55BEF58EE43}" type="datetimeFigureOut">
               <a:rPr lang="en-US" smtClean="0"/>
-              <a:t>4/12/2020</a:t>
+              <a:t>8/2/2020</a:t>
             </a:fld>
             <a:endParaRPr lang="en-US"/>
           </a:p>
@@ -2663,7 +2668,7 @@
           <a:p>
             <a:fld id="{4768DAE8-202D-4443-B284-E55BEF58EE43}" type="datetimeFigureOut">
               <a:rPr lang="en-US" smtClean="0"/>
-              <a:t>4/12/2020</a:t>
+              <a:t>8/2/2020</a:t>
             </a:fld>
             <a:endParaRPr lang="en-US"/>
           </a:p>
@@ -2904,7 +2909,7 @@
           <a:p>
             <a:fld id="{4768DAE8-202D-4443-B284-E55BEF58EE43}" type="datetimeFigureOut">
               <a:rPr lang="en-US" smtClean="0"/>
-              <a:t>4/12/2020</a:t>
+              <a:t>8/2/2020</a:t>
             </a:fld>
             <a:endParaRPr lang="en-US"/>
           </a:p>
@@ -3323,10 +3328,10 @@
       </p:grpSpPr>
       <p:sp>
         <p:nvSpPr>
-          <p:cNvPr id="4" name="Rectangle 3">
-            <a:extLst>
-              <a:ext uri="{FF2B5EF4-FFF2-40B4-BE49-F238E27FC236}">
-                <a16:creationId xmlns:a16="http://schemas.microsoft.com/office/drawing/2014/main" id="{00BD1199-9F4A-4777-B8B0-9108761A8784}"/>
+          <p:cNvPr id="12" name="Arrow: Right 11">
+            <a:extLst>
+              <a:ext uri="{FF2B5EF4-FFF2-40B4-BE49-F238E27FC236}">
+                <a16:creationId xmlns:a16="http://schemas.microsoft.com/office/drawing/2014/main" id="{66AF4C14-8D24-4C07-B34F-1E33DB0E0959}"/>
               </a:ext>
             </a:extLst>
           </p:cNvPr>
@@ -3334,8 +3339,54 @@
           <p:nvPr/>
         </p:nvSpPr>
         <p:spPr>
+          <a:xfrm rot="10800000">
+            <a:off x="5303651" y="858216"/>
+            <a:ext cx="1278654" cy="584814"/>
+          </a:xfrm>
+          <a:prstGeom prst="rightArrow">
+            <a:avLst/>
+          </a:prstGeom>
+        </p:spPr>
+        <p:style>
+          <a:lnRef idx="2">
+            <a:schemeClr val="accent1">
+              <a:shade val="50000"/>
+            </a:schemeClr>
+          </a:lnRef>
+          <a:fillRef idx="1">
+            <a:schemeClr val="accent1"/>
+          </a:fillRef>
+          <a:effectRef idx="0">
+            <a:schemeClr val="accent1"/>
+          </a:effectRef>
+          <a:fontRef idx="minor">
+            <a:schemeClr val="lt1"/>
+          </a:fontRef>
+        </p:style>
+        <p:txBody>
+          <a:bodyPr rtlCol="0" anchor="ctr"/>
+          <a:lstStyle/>
+          <a:p>
+            <a:pPr algn="ctr"/>
+            <a:endParaRPr lang="en-US"/>
+          </a:p>
+        </p:txBody>
+      </p:sp>
+      <p:sp>
+        <p:nvSpPr>
+          <p:cNvPr id="4" name="Rectangle 3">
+            <a:extLst>
+              <a:ext uri="{FF2B5EF4-FFF2-40B4-BE49-F238E27FC236}">
+                <a16:creationId xmlns:a16="http://schemas.microsoft.com/office/drawing/2014/main" id="{00BD1199-9F4A-4777-B8B0-9108761A8784}"/>
+              </a:ext>
+            </a:extLst>
+          </p:cNvPr>
+          <p:cNvSpPr/>
+          <p:nvPr/>
+        </p:nvSpPr>
+        <p:spPr>
           <a:xfrm>
-            <a:off x="4098030" y="993584"/>
+            <a:off x="6669899" y="482837"/>
             <a:ext cx="3035938" cy="270587"/>
           </a:xfrm>
           <a:prstGeom prst="rect">
@@ -3381,8 +3432,8 @@
         </p:nvSpPr>
         <p:spPr>
           <a:xfrm>
-            <a:off x="4098030" y="1262489"/>
-            <a:ext cx="3035938" cy="3710390"/>
+            <a:off x="6669899" y="746485"/>
+            <a:ext cx="3035938" cy="4418637"/>
           </a:xfrm>
           <a:prstGeom prst="rect">
             <a:avLst/>
@@ -3413,10 +3464,10 @@
       </p:sp>
       <p:sp>
         <p:nvSpPr>
-          <p:cNvPr id="6" name="Rectangle 5">
-            <a:extLst>
-              <a:ext uri="{FF2B5EF4-FFF2-40B4-BE49-F238E27FC236}">
-                <a16:creationId xmlns:a16="http://schemas.microsoft.com/office/drawing/2014/main" id="{65E2387A-242A-4EE7-8063-A476AA0BC450}"/>
+          <p:cNvPr id="10" name="Rectangle 9">
+            <a:extLst>
+              <a:ext uri="{FF2B5EF4-FFF2-40B4-BE49-F238E27FC236}">
+                <a16:creationId xmlns:a16="http://schemas.microsoft.com/office/drawing/2014/main" id="{33AB7CC3-97C2-452E-829A-ED9378769877}"/>
               </a:ext>
             </a:extLst>
           </p:cNvPr>
@@ -3425,8 +3476,259 @@
         </p:nvSpPr>
         <p:spPr>
           <a:xfrm>
-            <a:off x="4235089" y="1484155"/>
-            <a:ext cx="2783548" cy="494270"/>
+            <a:off x="6678453" y="2799684"/>
+            <a:ext cx="3027383" cy="929492"/>
+          </a:xfrm>
+          <a:prstGeom prst="rect">
+            <a:avLst/>
+          </a:prstGeom>
+          <a:solidFill>
+            <a:srgbClr val="002060"/>
+          </a:solidFill>
+        </p:spPr>
+        <p:style>
+          <a:lnRef idx="2">
+            <a:schemeClr val="accent1">
+              <a:shade val="50000"/>
+            </a:schemeClr>
+          </a:lnRef>
+          <a:fillRef idx="1">
+            <a:schemeClr val="accent1"/>
+          </a:fillRef>
+          <a:effectRef idx="0">
+            <a:schemeClr val="accent1"/>
+          </a:effectRef>
+          <a:fontRef idx="minor">
+            <a:schemeClr val="lt1"/>
+          </a:fontRef>
+        </p:style>
+        <p:txBody>
+          <a:bodyPr rtlCol="0" anchor="ctr"/>
+          <a:lstStyle/>
+          <a:p>
+            <a:pPr algn="ctr"/>
+            <a:r>
+              <a:rPr lang="en-US" dirty="0"/>
+              <a:t>Playing Ball</a:t>
+            </a:r>
+          </a:p>
+        </p:txBody>
+      </p:sp>
+      <p:sp>
+        <p:nvSpPr>
+          <p:cNvPr id="21" name="Rectangle 20">
+            <a:extLst>
+              <a:ext uri="{FF2B5EF4-FFF2-40B4-BE49-F238E27FC236}">
+                <a16:creationId xmlns:a16="http://schemas.microsoft.com/office/drawing/2014/main" id="{E11FFBE2-33AA-4CE4-865D-F497053C9301}"/>
+              </a:ext>
+            </a:extLst>
+          </p:cNvPr>
+          <p:cNvSpPr/>
+          <p:nvPr/>
+        </p:nvSpPr>
+        <p:spPr>
+          <a:xfrm>
+            <a:off x="6678454" y="4018678"/>
+            <a:ext cx="3027383" cy="917713"/>
+          </a:xfrm>
+          <a:prstGeom prst="rect">
+            <a:avLst/>
+          </a:prstGeom>
+          <a:solidFill>
+            <a:schemeClr val="accent6">
+              <a:lumMod val="50000"/>
+            </a:schemeClr>
+          </a:solidFill>
+        </p:spPr>
+        <p:style>
+          <a:lnRef idx="2">
+            <a:schemeClr val="accent1">
+              <a:shade val="50000"/>
+            </a:schemeClr>
+          </a:lnRef>
+          <a:fillRef idx="1">
+            <a:schemeClr val="accent1"/>
+          </a:fillRef>
+          <a:effectRef idx="0">
+            <a:schemeClr val="accent1"/>
+          </a:effectRef>
+          <a:fontRef idx="minor">
+            <a:schemeClr val="lt1"/>
+          </a:fontRef>
+        </p:style>
+        <p:txBody>
+          <a:bodyPr rtlCol="0" anchor="ctr"/>
+          <a:lstStyle/>
+          <a:p>
+            <a:pPr algn="ctr"/>
+            <a:r>
+              <a:rPr lang="en-US" dirty="0"/>
+              <a:t>Start/Pause</a:t>
+            </a:r>
+          </a:p>
+        </p:txBody>
+      </p:sp>
+      <p:sp>
+        <p:nvSpPr>
+          <p:cNvPr id="22" name="Rectangle 21">
+            <a:extLst>
+              <a:ext uri="{FF2B5EF4-FFF2-40B4-BE49-F238E27FC236}">
+                <a16:creationId xmlns:a16="http://schemas.microsoft.com/office/drawing/2014/main" id="{1819ED48-EBDE-4C3D-9515-6B474669B7BE}"/>
+              </a:ext>
+            </a:extLst>
+          </p:cNvPr>
+          <p:cNvSpPr/>
+          <p:nvPr/>
+        </p:nvSpPr>
+        <p:spPr>
+          <a:xfrm>
+            <a:off x="6669899" y="1521776"/>
+            <a:ext cx="3027383" cy="928288"/>
+          </a:xfrm>
+          <a:prstGeom prst="rect">
+            <a:avLst/>
+          </a:prstGeom>
+          <a:solidFill>
+            <a:srgbClr val="C00000"/>
+          </a:solidFill>
+        </p:spPr>
+        <p:style>
+          <a:lnRef idx="2">
+            <a:schemeClr val="accent1">
+              <a:shade val="50000"/>
+            </a:schemeClr>
+          </a:lnRef>
+          <a:fillRef idx="1">
+            <a:schemeClr val="accent1"/>
+          </a:fillRef>
+          <a:effectRef idx="0">
+            <a:schemeClr val="accent1"/>
+          </a:effectRef>
+          <a:fontRef idx="minor">
+            <a:schemeClr val="lt1"/>
+          </a:fontRef>
+        </p:style>
+        <p:txBody>
+          <a:bodyPr rtlCol="0" anchor="ctr"/>
+          <a:lstStyle/>
+          <a:p>
+            <a:pPr algn="ctr"/>
+            <a:r>
+              <a:rPr lang="en-US" dirty="0"/>
+              <a:t>0:45</a:t>
+            </a:r>
+          </a:p>
+        </p:txBody>
+      </p:sp>
+      <p:sp>
+        <p:nvSpPr>
+          <p:cNvPr id="8" name="Rectangle 7">
+            <a:extLst>
+              <a:ext uri="{FF2B5EF4-FFF2-40B4-BE49-F238E27FC236}">
+                <a16:creationId xmlns:a16="http://schemas.microsoft.com/office/drawing/2014/main" id="{41DDB756-DCAE-496A-999C-EE6BF9F12512}"/>
+              </a:ext>
+            </a:extLst>
+          </p:cNvPr>
+          <p:cNvSpPr/>
+          <p:nvPr/>
+        </p:nvSpPr>
+        <p:spPr>
+          <a:xfrm>
+            <a:off x="7065764" y="774623"/>
+            <a:ext cx="2833661" cy="707886"/>
+          </a:xfrm>
+          <a:prstGeom prst="rect">
+            <a:avLst/>
+          </a:prstGeom>
+          <a:noFill/>
+        </p:spPr>
+        <p:txBody>
+          <a:bodyPr wrap="square" lIns="91440" tIns="45720" rIns="91440" bIns="45720">
+            <a:spAutoFit/>
+          </a:bodyPr>
+          <a:lstStyle/>
+          <a:p>
+            <a:pPr algn="ctr"/>
+            <a:r>
+              <a:rPr lang="en-US" sz="4000" b="1" cap="none" spc="0" dirty="0">
+                <a:ln w="12700">
+                  <a:solidFill>
+                    <a:schemeClr val="accent3">
+                      <a:lumMod val="50000"/>
+                    </a:schemeClr>
+                  </a:solidFill>
+                  <a:prstDash val="solid"/>
+                </a:ln>
+                <a:pattFill prst="narHorz">
+                  <a:fgClr>
+                    <a:schemeClr val="accent3"/>
+                  </a:fgClr>
+                  <a:bgClr>
+                    <a:schemeClr val="accent3">
+                      <a:lumMod val="40000"/>
+                      <a:lumOff val="60000"/>
+                    </a:schemeClr>
+                  </a:bgClr>
+                </a:pattFill>
+                <a:effectLst>
+                  <a:innerShdw blurRad="177800">
+                    <a:schemeClr val="accent3">
+                      <a:lumMod val="50000"/>
+                    </a:schemeClr>
+                  </a:innerShdw>
+                </a:effectLst>
+              </a:rPr>
+              <a:t>Charades</a:t>
+            </a:r>
+          </a:p>
+        </p:txBody>
+      </p:sp>
+      <p:pic>
+        <p:nvPicPr>
+          <p:cNvPr id="16" name="Picture 15">
+            <a:extLst>
+              <a:ext uri="{FF2B5EF4-FFF2-40B4-BE49-F238E27FC236}">
+                <a16:creationId xmlns:a16="http://schemas.microsoft.com/office/drawing/2014/main" id="{E9A3D670-F9F4-4E98-B757-5DB2E1734858}"/>
+              </a:ext>
+            </a:extLst>
+          </p:cNvPr>
+          <p:cNvPicPr>
+            <a:picLocks noChangeAspect="1"/>
+          </p:cNvPicPr>
+          <p:nvPr/>
+        </p:nvPicPr>
+        <p:blipFill>
+          <a:blip r:embed="rId2"/>
+          <a:stretch>
+            <a:fillRect/>
+          </a:stretch>
+        </p:blipFill>
+        <p:spPr>
+          <a:xfrm>
+            <a:off x="6863621" y="916806"/>
+            <a:ext cx="553576" cy="423519"/>
+          </a:xfrm>
+          <a:prstGeom prst="rect">
+            <a:avLst/>
+          </a:prstGeom>
+        </p:spPr>
+      </p:pic>
+      <p:sp>
+        <p:nvSpPr>
+          <p:cNvPr id="25" name="Rectangle 24">
+            <a:extLst>
+              <a:ext uri="{FF2B5EF4-FFF2-40B4-BE49-F238E27FC236}">
+                <a16:creationId xmlns:a16="http://schemas.microsoft.com/office/drawing/2014/main" id="{D6A347D9-56D9-4CB2-9B93-B04014168241}"/>
+              </a:ext>
+            </a:extLst>
+          </p:cNvPr>
+          <p:cNvSpPr/>
+          <p:nvPr/>
+        </p:nvSpPr>
+        <p:spPr>
+          <a:xfrm>
+            <a:off x="2019181" y="482837"/>
+            <a:ext cx="3035938" cy="270587"/>
           </a:xfrm>
           <a:prstGeom prst="rect">
             <a:avLst/>
@@ -3453,19 +3755,16 @@
           <a:lstStyle/>
           <a:p>
             <a:pPr algn="ctr"/>
-            <a:r>
-              <a:rPr lang="en-US" dirty="0"/>
-              <a:t>Next</a:t>
-            </a:r>
-          </a:p>
-        </p:txBody>
-      </p:sp>
-      <p:sp>
-        <p:nvSpPr>
-          <p:cNvPr id="10" name="Rectangle 9">
-            <a:extLst>
-              <a:ext uri="{FF2B5EF4-FFF2-40B4-BE49-F238E27FC236}">
-                <a16:creationId xmlns:a16="http://schemas.microsoft.com/office/drawing/2014/main" id="{33AB7CC3-97C2-452E-829A-ED9378769877}"/>
+            <a:endParaRPr lang="en-US"/>
+          </a:p>
+        </p:txBody>
+      </p:sp>
+      <p:sp>
+        <p:nvSpPr>
+          <p:cNvPr id="26" name="Rectangle 25">
+            <a:extLst>
+              <a:ext uri="{FF2B5EF4-FFF2-40B4-BE49-F238E27FC236}">
+                <a16:creationId xmlns:a16="http://schemas.microsoft.com/office/drawing/2014/main" id="{62B86FD9-58A5-4CAD-A074-042827BDBC58}"/>
               </a:ext>
             </a:extLst>
           </p:cNvPr>
@@ -3474,12 +3773,59 @@
         </p:nvSpPr>
         <p:spPr>
           <a:xfrm>
-            <a:off x="4235088" y="2566044"/>
-            <a:ext cx="2783549" cy="1223361"/>
+            <a:off x="2019181" y="746485"/>
+            <a:ext cx="3035938" cy="4418637"/>
           </a:xfrm>
           <a:prstGeom prst="rect">
             <a:avLst/>
           </a:prstGeom>
+        </p:spPr>
+        <p:style>
+          <a:lnRef idx="2">
+            <a:schemeClr val="accent1"/>
+          </a:lnRef>
+          <a:fillRef idx="1">
+            <a:schemeClr val="lt1"/>
+          </a:fillRef>
+          <a:effectRef idx="0">
+            <a:schemeClr val="accent1"/>
+          </a:effectRef>
+          <a:fontRef idx="minor">
+            <a:schemeClr val="dk1"/>
+          </a:fontRef>
+        </p:style>
+        <p:txBody>
+          <a:bodyPr rtlCol="0" anchor="ctr"/>
+          <a:lstStyle/>
+          <a:p>
+            <a:pPr algn="ctr"/>
+            <a:endParaRPr lang="en-US"/>
+          </a:p>
+        </p:txBody>
+      </p:sp>
+      <p:sp>
+        <p:nvSpPr>
+          <p:cNvPr id="27" name="Rectangle 26">
+            <a:extLst>
+              <a:ext uri="{FF2B5EF4-FFF2-40B4-BE49-F238E27FC236}">
+                <a16:creationId xmlns:a16="http://schemas.microsoft.com/office/drawing/2014/main" id="{896022D7-384A-4EED-81AA-4E3EDB6E400A}"/>
+              </a:ext>
+            </a:extLst>
+          </p:cNvPr>
+          <p:cNvSpPr/>
+          <p:nvPr/>
+        </p:nvSpPr>
+        <p:spPr>
+          <a:xfrm>
+            <a:off x="2027735" y="1618925"/>
+            <a:ext cx="3027383" cy="4888965"/>
+          </a:xfrm>
+          <a:prstGeom prst="rect">
+            <a:avLst/>
+          </a:prstGeom>
+          <a:solidFill>
+            <a:srgbClr val="002060"/>
+          </a:solidFill>
         </p:spPr>
         <p:style>
           <a:lnRef idx="2">
@@ -3502,19 +3848,16 @@
           <a:lstStyle/>
           <a:p>
             <a:pPr algn="ctr"/>
-            <a:r>
-              <a:rPr lang="en-US" dirty="0"/>
-              <a:t>Playing Ball</a:t>
-            </a:r>
-          </a:p>
-        </p:txBody>
-      </p:sp>
-      <p:sp>
-        <p:nvSpPr>
-          <p:cNvPr id="18" name="Rectangle 17">
-            <a:extLst>
-              <a:ext uri="{FF2B5EF4-FFF2-40B4-BE49-F238E27FC236}">
-                <a16:creationId xmlns:a16="http://schemas.microsoft.com/office/drawing/2014/main" id="{9568FD30-3052-47C8-8854-5D02811729A5}"/>
+            <a:endParaRPr lang="en-US" dirty="0"/>
+          </a:p>
+        </p:txBody>
+      </p:sp>
+      <p:sp>
+        <p:nvSpPr>
+          <p:cNvPr id="30" name="Rectangle 29">
+            <a:extLst>
+              <a:ext uri="{FF2B5EF4-FFF2-40B4-BE49-F238E27FC236}">
+                <a16:creationId xmlns:a16="http://schemas.microsoft.com/office/drawing/2014/main" id="{E78B7D9F-03E6-456B-96E3-413FB861A5B2}"/>
               </a:ext>
             </a:extLst>
           </p:cNvPr>
@@ -3523,12 +3866,344 @@
         </p:nvSpPr>
         <p:spPr>
           <a:xfrm>
-            <a:off x="9728886" y="807308"/>
-            <a:ext cx="1235676" cy="1285103"/>
+            <a:off x="2415046" y="774623"/>
+            <a:ext cx="2833661" cy="707886"/>
           </a:xfrm>
           <a:prstGeom prst="rect">
             <a:avLst/>
           </a:prstGeom>
+          <a:noFill/>
+        </p:spPr>
+        <p:txBody>
+          <a:bodyPr wrap="square" lIns="91440" tIns="45720" rIns="91440" bIns="45720">
+            <a:spAutoFit/>
+          </a:bodyPr>
+          <a:lstStyle/>
+          <a:p>
+            <a:pPr algn="ctr"/>
+            <a:r>
+              <a:rPr lang="en-US" sz="4000" b="1" cap="none" spc="0" dirty="0">
+                <a:ln w="12700">
+                  <a:solidFill>
+                    <a:schemeClr val="accent3">
+                      <a:lumMod val="50000"/>
+                    </a:schemeClr>
+                  </a:solidFill>
+                  <a:prstDash val="solid"/>
+                </a:ln>
+                <a:pattFill prst="narHorz">
+                  <a:fgClr>
+                    <a:schemeClr val="accent3"/>
+                  </a:fgClr>
+                  <a:bgClr>
+                    <a:schemeClr val="accent3">
+                      <a:lumMod val="40000"/>
+                      <a:lumOff val="60000"/>
+                    </a:schemeClr>
+                  </a:bgClr>
+                </a:pattFill>
+                <a:effectLst>
+                  <a:innerShdw blurRad="177800">
+                    <a:schemeClr val="accent3">
+                      <a:lumMod val="50000"/>
+                    </a:schemeClr>
+                  </a:innerShdw>
+                </a:effectLst>
+              </a:rPr>
+              <a:t>Charades</a:t>
+            </a:r>
+          </a:p>
+        </p:txBody>
+      </p:sp>
+      <p:sp>
+        <p:nvSpPr>
+          <p:cNvPr id="31" name="TextBox 30">
+            <a:extLst>
+              <a:ext uri="{FF2B5EF4-FFF2-40B4-BE49-F238E27FC236}">
+                <a16:creationId xmlns:a16="http://schemas.microsoft.com/office/drawing/2014/main" id="{4DE6CC36-67FC-434F-8C7D-1FF5B5108EF8}"/>
+              </a:ext>
+            </a:extLst>
+          </p:cNvPr>
+          <p:cNvSpPr txBox="1"/>
+          <p:nvPr/>
+        </p:nvSpPr>
+        <p:spPr>
+          <a:xfrm rot="20392675">
+            <a:off x="4221266" y="1314537"/>
+            <a:ext cx="954801" cy="230832"/>
+          </a:xfrm>
+          <a:prstGeom prst="rect">
+            <a:avLst/>
+          </a:prstGeom>
+          <a:noFill/>
+        </p:spPr>
+        <p:txBody>
+          <a:bodyPr wrap="square" rtlCol="0">
+            <a:spAutoFit/>
+          </a:bodyPr>
+          <a:lstStyle/>
+          <a:p>
+            <a:pPr algn="ctr"/>
+            <a:r>
+              <a:rPr lang="en-US" sz="900" dirty="0">
+                <a:solidFill>
+                  <a:srgbClr val="FF0000"/>
+                </a:solidFill>
+              </a:rPr>
+              <a:t>Alpha 0.0.1</a:t>
+            </a:r>
+          </a:p>
+        </p:txBody>
+      </p:sp>
+      <p:pic>
+        <p:nvPicPr>
+          <p:cNvPr id="32" name="Picture 31">
+            <a:extLst>
+              <a:ext uri="{FF2B5EF4-FFF2-40B4-BE49-F238E27FC236}">
+                <a16:creationId xmlns:a16="http://schemas.microsoft.com/office/drawing/2014/main" id="{8CD3386B-66D2-4320-BDEB-3707BADB5255}"/>
+              </a:ext>
+            </a:extLst>
+          </p:cNvPr>
+          <p:cNvPicPr>
+            <a:picLocks noChangeAspect="1"/>
+          </p:cNvPicPr>
+          <p:nvPr/>
+        </p:nvPicPr>
+        <p:blipFill>
+          <a:blip r:embed="rId2"/>
+          <a:stretch>
+            <a:fillRect/>
+          </a:stretch>
+        </p:blipFill>
+        <p:spPr>
+          <a:xfrm>
+            <a:off x="2171713" y="925044"/>
+            <a:ext cx="553576" cy="423519"/>
+          </a:xfrm>
+          <a:prstGeom prst="rect">
+            <a:avLst/>
+          </a:prstGeom>
+        </p:spPr>
+      </p:pic>
+      <p:sp>
+        <p:nvSpPr>
+          <p:cNvPr id="33" name="TextBox 32">
+            <a:extLst>
+              <a:ext uri="{FF2B5EF4-FFF2-40B4-BE49-F238E27FC236}">
+                <a16:creationId xmlns:a16="http://schemas.microsoft.com/office/drawing/2014/main" id="{4F651181-5444-49E3-AAFB-ECABAE916735}"/>
+              </a:ext>
+            </a:extLst>
+          </p:cNvPr>
+          <p:cNvSpPr txBox="1"/>
+          <p:nvPr/>
+        </p:nvSpPr>
+        <p:spPr>
+          <a:xfrm>
+            <a:off x="2019180" y="1683925"/>
+            <a:ext cx="3035938" cy="4708981"/>
+          </a:xfrm>
+          <a:prstGeom prst="rect">
+            <a:avLst/>
+          </a:prstGeom>
+          <a:noFill/>
+        </p:spPr>
+        <p:txBody>
+          <a:bodyPr wrap="square" rtlCol="0">
+            <a:spAutoFit/>
+          </a:bodyPr>
+          <a:lstStyle/>
+          <a:p>
+            <a:r>
+              <a:rPr lang="en-US" sz="1200" dirty="0">
+                <a:solidFill>
+                  <a:schemeClr val="bg1"/>
+                </a:solidFill>
+              </a:rPr>
+              <a:t>This app is my COVID-19 project.   My daughter asked if we could play charades as a family.  When we tried to find any easy app to help facilitate the game we were disappointed at what was available.   So I built this app.  </a:t>
+            </a:r>
+          </a:p>
+          <a:p>
+            <a:endParaRPr lang="en-US" sz="1200" dirty="0">
+              <a:solidFill>
+                <a:schemeClr val="bg1"/>
+              </a:solidFill>
+            </a:endParaRPr>
+          </a:p>
+          <a:p>
+            <a:r>
+              <a:rPr lang="en-US" sz="1200" dirty="0">
+                <a:solidFill>
+                  <a:schemeClr val="bg1"/>
+                </a:solidFill>
+              </a:rPr>
+              <a:t>Charades is a beloved game were a person </a:t>
+            </a:r>
+            <a:r>
+              <a:rPr lang="en-US" sz="1200" dirty="0" err="1">
+                <a:solidFill>
+                  <a:schemeClr val="bg1"/>
+                </a:solidFill>
+              </a:rPr>
+              <a:t>trys</a:t>
+            </a:r>
+            <a:r>
+              <a:rPr lang="en-US" sz="1200" dirty="0">
+                <a:solidFill>
+                  <a:schemeClr val="bg1"/>
+                </a:solidFill>
+              </a:rPr>
+              <a:t> to act out the clue word without saying any words.  This app allows the person who is acting the clue word to select the clue by swiping left.  When the actor finds a word they like, they press start and begin acting out the clue.  The game is often played in teams….</a:t>
+            </a:r>
+          </a:p>
+          <a:p>
+            <a:endParaRPr lang="en-US" sz="1200" dirty="0">
+              <a:solidFill>
+                <a:schemeClr val="bg1"/>
+              </a:solidFill>
+            </a:endParaRPr>
+          </a:p>
+          <a:p>
+            <a:r>
+              <a:rPr lang="en-US" sz="1200" dirty="0">
+                <a:solidFill>
+                  <a:schemeClr val="bg1"/>
+                </a:solidFill>
+              </a:rPr>
+              <a:t>This app is an alpha version and is free to the public at this time. The publisher would enjoy feedback at </a:t>
+            </a:r>
+            <a:r>
+              <a:rPr lang="en-US" sz="1200" dirty="0">
+                <a:solidFill>
+                  <a:schemeClr val="bg1"/>
+                </a:solidFill>
+                <a:hlinkClick r:id="rId3"/>
+              </a:rPr>
+              <a:t>charades@app.com</a:t>
+            </a:r>
+            <a:r>
+              <a:rPr lang="en-US" sz="1200" dirty="0">
+                <a:solidFill>
+                  <a:schemeClr val="bg1"/>
+                </a:solidFill>
+              </a:rPr>
+              <a:t>.</a:t>
+            </a:r>
+          </a:p>
+          <a:p>
+            <a:endParaRPr lang="en-US" sz="1200" dirty="0">
+              <a:solidFill>
+                <a:schemeClr val="bg1"/>
+              </a:solidFill>
+            </a:endParaRPr>
+          </a:p>
+          <a:p>
+            <a:r>
+              <a:rPr lang="en-US" sz="1200" dirty="0">
+                <a:solidFill>
+                  <a:schemeClr val="bg1"/>
+                </a:solidFill>
+              </a:rPr>
+              <a:t>Donations are also being accepted at this time to keep development going.  Donations are accepted using Venmo (handle: Charades) or </a:t>
+            </a:r>
+            <a:r>
+              <a:rPr lang="en-US" sz="1200" dirty="0" err="1">
+                <a:solidFill>
+                  <a:schemeClr val="bg1"/>
+                </a:solidFill>
+              </a:rPr>
+              <a:t>Paypay</a:t>
+            </a:r>
+            <a:r>
+              <a:rPr lang="en-US" sz="1200" dirty="0">
+                <a:solidFill>
+                  <a:schemeClr val="bg1"/>
+                </a:solidFill>
+              </a:rPr>
+              <a:t> (</a:t>
+            </a:r>
+            <a:r>
+              <a:rPr lang="en-US" sz="1200" dirty="0">
+                <a:solidFill>
+                  <a:schemeClr val="bg1"/>
+                </a:solidFill>
+                <a:hlinkClick r:id="rId3"/>
+              </a:rPr>
+              <a:t>charades@app.com</a:t>
+            </a:r>
+            <a:r>
+              <a:rPr lang="en-US" sz="1200" dirty="0">
+                <a:solidFill>
+                  <a:schemeClr val="bg1"/>
+                </a:solidFill>
+              </a:rPr>
+              <a:t>).  Our Reddit page can be here.</a:t>
+            </a:r>
+          </a:p>
+        </p:txBody>
+      </p:sp>
+      <p:sp>
+        <p:nvSpPr>
+          <p:cNvPr id="35" name="TextBox 34">
+            <a:extLst>
+              <a:ext uri="{FF2B5EF4-FFF2-40B4-BE49-F238E27FC236}">
+                <a16:creationId xmlns:a16="http://schemas.microsoft.com/office/drawing/2014/main" id="{BA724A32-0733-424C-BB91-14F4265AB296}"/>
+              </a:ext>
+            </a:extLst>
+          </p:cNvPr>
+          <p:cNvSpPr txBox="1"/>
+          <p:nvPr/>
+        </p:nvSpPr>
+        <p:spPr>
+          <a:xfrm rot="20392675">
+            <a:off x="8928763" y="1252067"/>
+            <a:ext cx="954801" cy="230832"/>
+          </a:xfrm>
+          <a:prstGeom prst="rect">
+            <a:avLst/>
+          </a:prstGeom>
+          <a:noFill/>
+        </p:spPr>
+        <p:txBody>
+          <a:bodyPr wrap="square" rtlCol="0">
+            <a:spAutoFit/>
+          </a:bodyPr>
+          <a:lstStyle/>
+          <a:p>
+            <a:pPr algn="ctr"/>
+            <a:r>
+              <a:rPr lang="en-US" sz="900" dirty="0">
+                <a:solidFill>
+                  <a:srgbClr val="FF0000"/>
+                </a:solidFill>
+              </a:rPr>
+              <a:t>Alpha 0.0.1</a:t>
+            </a:r>
+          </a:p>
+        </p:txBody>
+      </p:sp>
+      <p:sp>
+        <p:nvSpPr>
+          <p:cNvPr id="36" name="Rectangle 35">
+            <a:extLst>
+              <a:ext uri="{FF2B5EF4-FFF2-40B4-BE49-F238E27FC236}">
+                <a16:creationId xmlns:a16="http://schemas.microsoft.com/office/drawing/2014/main" id="{332B33D0-583E-43A4-B36C-B24E265E4DE4}"/>
+              </a:ext>
+            </a:extLst>
+          </p:cNvPr>
+          <p:cNvSpPr/>
+          <p:nvPr/>
+        </p:nvSpPr>
+        <p:spPr>
+          <a:xfrm>
+            <a:off x="6661344" y="3748538"/>
+            <a:ext cx="3035938" cy="148932"/>
+          </a:xfrm>
+          <a:prstGeom prst="rect">
+            <a:avLst/>
+          </a:prstGeom>
+          <a:solidFill>
+            <a:srgbClr val="002060"/>
+          </a:solidFill>
         </p:spPr>
         <p:style>
           <a:lnRef idx="2">
@@ -3552,18 +4227,18 @@
           <a:p>
             <a:pPr algn="ctr"/>
             <a:r>
-              <a:rPr lang="en-US" dirty="0"/>
-              <a:t>Past.txt</a:t>
-            </a:r>
-          </a:p>
-        </p:txBody>
-      </p:sp>
-      <p:sp>
-        <p:nvSpPr>
-          <p:cNvPr id="19" name="Rectangle 18">
-            <a:extLst>
-              <a:ext uri="{FF2B5EF4-FFF2-40B4-BE49-F238E27FC236}">
-                <a16:creationId xmlns:a16="http://schemas.microsoft.com/office/drawing/2014/main" id="{1BDFC247-097D-4807-A031-91ECB6AF04D5}"/>
+              <a:rPr lang="en-US" sz="700" i="1" dirty="0"/>
+              <a:t>: Swipe Left for Next Clue :</a:t>
+            </a:r>
+          </a:p>
+        </p:txBody>
+      </p:sp>
+      <p:sp>
+        <p:nvSpPr>
+          <p:cNvPr id="41" name="Rectangle 40">
+            <a:extLst>
+              <a:ext uri="{FF2B5EF4-FFF2-40B4-BE49-F238E27FC236}">
+                <a16:creationId xmlns:a16="http://schemas.microsoft.com/office/drawing/2014/main" id="{44B2E94B-F3D6-49A4-AB30-B11339552B24}"/>
               </a:ext>
             </a:extLst>
           </p:cNvPr>
@@ -3572,12 +4247,17 @@
         </p:nvSpPr>
         <p:spPr>
           <a:xfrm>
-            <a:off x="9728886" y="2247542"/>
-            <a:ext cx="1235676" cy="1285103"/>
+            <a:off x="6669899" y="4950292"/>
+            <a:ext cx="3035938" cy="148932"/>
           </a:xfrm>
           <a:prstGeom prst="rect">
             <a:avLst/>
           </a:prstGeom>
+          <a:solidFill>
+            <a:schemeClr val="accent6">
+              <a:lumMod val="50000"/>
+            </a:schemeClr>
+          </a:solidFill>
         </p:spPr>
         <p:style>
           <a:lnRef idx="2">
@@ -3601,18 +4281,18 @@
           <a:p>
             <a:pPr algn="ctr"/>
             <a:r>
-              <a:rPr lang="en-US" dirty="0"/>
-              <a:t>Config.txt</a:t>
-            </a:r>
-          </a:p>
-        </p:txBody>
-      </p:sp>
-      <p:sp>
-        <p:nvSpPr>
-          <p:cNvPr id="20" name="Rectangle 19">
-            <a:extLst>
-              <a:ext uri="{FF2B5EF4-FFF2-40B4-BE49-F238E27FC236}">
-                <a16:creationId xmlns:a16="http://schemas.microsoft.com/office/drawing/2014/main" id="{42085540-993A-4347-8578-5DFFC4ADAA5B}"/>
+              <a:rPr lang="en-US" sz="700" i="1" dirty="0"/>
+              <a:t>: Double Tap To Reset Time :</a:t>
+            </a:r>
+          </a:p>
+        </p:txBody>
+      </p:sp>
+      <p:sp>
+        <p:nvSpPr>
+          <p:cNvPr id="43" name="Rectangle 42">
+            <a:extLst>
+              <a:ext uri="{FF2B5EF4-FFF2-40B4-BE49-F238E27FC236}">
+                <a16:creationId xmlns:a16="http://schemas.microsoft.com/office/drawing/2014/main" id="{23B3CFEE-99F7-4F97-83A6-4B5629C1A228}"/>
               </a:ext>
             </a:extLst>
           </p:cNvPr>
@@ -3621,12 +4301,15 @@
         </p:nvSpPr>
         <p:spPr>
           <a:xfrm>
-            <a:off x="9728886" y="3687776"/>
-            <a:ext cx="1235676" cy="1285103"/>
+            <a:off x="6669898" y="2469426"/>
+            <a:ext cx="3035938" cy="192381"/>
           </a:xfrm>
           <a:prstGeom prst="rect">
             <a:avLst/>
           </a:prstGeom>
+          <a:solidFill>
+            <a:srgbClr val="C00000"/>
+          </a:solidFill>
         </p:spPr>
         <p:style>
           <a:lnRef idx="2">
@@ -3650,106 +4333,8 @@
           <a:p>
             <a:pPr algn="ctr"/>
             <a:r>
-              <a:rPr lang="en-US" dirty="0"/>
-              <a:t>Data.txt</a:t>
-            </a:r>
-          </a:p>
-        </p:txBody>
-      </p:sp>
-      <p:sp>
-        <p:nvSpPr>
-          <p:cNvPr id="21" name="Rectangle 20">
-            <a:extLst>
-              <a:ext uri="{FF2B5EF4-FFF2-40B4-BE49-F238E27FC236}">
-                <a16:creationId xmlns:a16="http://schemas.microsoft.com/office/drawing/2014/main" id="{E11FFBE2-33AA-4CE4-865D-F497053C9301}"/>
-              </a:ext>
-            </a:extLst>
-          </p:cNvPr>
-          <p:cNvSpPr/>
-          <p:nvPr/>
-        </p:nvSpPr>
-        <p:spPr>
-          <a:xfrm>
-            <a:off x="4235088" y="2021295"/>
-            <a:ext cx="2783549" cy="494270"/>
-          </a:xfrm>
-          <a:prstGeom prst="rect">
-            <a:avLst/>
-          </a:prstGeom>
-        </p:spPr>
-        <p:style>
-          <a:lnRef idx="2">
-            <a:schemeClr val="accent1">
-              <a:shade val="50000"/>
-            </a:schemeClr>
-          </a:lnRef>
-          <a:fillRef idx="1">
-            <a:schemeClr val="accent1"/>
-          </a:fillRef>
-          <a:effectRef idx="0">
-            <a:schemeClr val="accent1"/>
-          </a:effectRef>
-          <a:fontRef idx="minor">
-            <a:schemeClr val="lt1"/>
-          </a:fontRef>
-        </p:style>
-        <p:txBody>
-          <a:bodyPr rtlCol="0" anchor="ctr"/>
-          <a:lstStyle/>
-          <a:p>
-            <a:pPr algn="ctr"/>
-            <a:r>
-              <a:rPr lang="en-US" dirty="0"/>
-              <a:t>Start</a:t>
-            </a:r>
-          </a:p>
-        </p:txBody>
-      </p:sp>
-      <p:sp>
-        <p:nvSpPr>
-          <p:cNvPr id="22" name="Rectangle 21">
-            <a:extLst>
-              <a:ext uri="{FF2B5EF4-FFF2-40B4-BE49-F238E27FC236}">
-                <a16:creationId xmlns:a16="http://schemas.microsoft.com/office/drawing/2014/main" id="{1819ED48-EBDE-4C3D-9515-6B474669B7BE}"/>
-              </a:ext>
-            </a:extLst>
-          </p:cNvPr>
-          <p:cNvSpPr/>
-          <p:nvPr/>
-        </p:nvSpPr>
-        <p:spPr>
-          <a:xfrm>
-            <a:off x="4235087" y="3850052"/>
-            <a:ext cx="2783547" cy="494270"/>
-          </a:xfrm>
-          <a:prstGeom prst="rect">
-            <a:avLst/>
-          </a:prstGeom>
-        </p:spPr>
-        <p:style>
-          <a:lnRef idx="2">
-            <a:schemeClr val="accent1">
-              <a:shade val="50000"/>
-            </a:schemeClr>
-          </a:lnRef>
-          <a:fillRef idx="1">
-            <a:schemeClr val="accent1"/>
-          </a:fillRef>
-          <a:effectRef idx="0">
-            <a:schemeClr val="accent1"/>
-          </a:effectRef>
-          <a:fontRef idx="minor">
-            <a:schemeClr val="lt1"/>
-          </a:fontRef>
-        </p:style>
-        <p:txBody>
-          <a:bodyPr rtlCol="0" anchor="ctr"/>
-          <a:lstStyle/>
-          <a:p>
-            <a:pPr algn="ctr"/>
-            <a:r>
-              <a:rPr lang="en-US" dirty="0"/>
-              <a:t>0:45</a:t>
+              <a:rPr lang="en-US" sz="800" i="1" dirty="0"/>
+              <a:t>: Double Tap to Change Countdown Setting :</a:t>
             </a:r>
           </a:p>
         </p:txBody>
